--- a/UseWebBrowser.pptx
+++ b/UseWebBrowser.pptx
@@ -3386,36 +3386,109 @@
           <a:chExt cx="0" cy="0"/>
         </a:xfrm>
       </p:grpSpPr>
-      <p:pic>
-        <p:nvPicPr>
-          <p:cNvPr id="5" name="그림 4">
-            <a:extLst>
-              <a:ext uri="{FF2B5EF4-FFF2-40B4-BE49-F238E27FC236}">
-                <a16:creationId xmlns:a16="http://schemas.microsoft.com/office/drawing/2014/main" id="{E0A391B6-D38E-4998-8272-77C621408D21}"/>
-              </a:ext>
-            </a:extLst>
-          </p:cNvPr>
-          <p:cNvPicPr>
-            <a:picLocks noChangeAspect="1"/>
-          </p:cNvPicPr>
+      <p:grpSp>
+        <p:nvGrpSpPr>
+          <p:cNvPr id="7" name="그룹 6">
+            <a:extLst>
+              <a:ext uri="{FF2B5EF4-FFF2-40B4-BE49-F238E27FC236}">
+                <a16:creationId xmlns:a16="http://schemas.microsoft.com/office/drawing/2014/main" id="{013367BC-F586-4F3C-9AA9-C7305D3013F8}"/>
+              </a:ext>
+            </a:extLst>
+          </p:cNvPr>
+          <p:cNvGrpSpPr/>
           <p:nvPr/>
-        </p:nvPicPr>
-        <p:blipFill>
-          <a:blip r:embed="rId2"/>
-          <a:stretch>
-            <a:fillRect/>
-          </a:stretch>
-        </p:blipFill>
-        <p:spPr>
+        </p:nvGrpSpPr>
+        <p:grpSpPr>
           <a:xfrm>
             <a:off x="895350" y="157162"/>
             <a:ext cx="10401300" cy="6543675"/>
+            <a:chOff x="895350" y="157162"/>
+            <a:chExt cx="10401300" cy="6543675"/>
           </a:xfrm>
-          <a:prstGeom prst="rect">
-            <a:avLst/>
-          </a:prstGeom>
-        </p:spPr>
-      </p:pic>
+        </p:grpSpPr>
+        <p:pic>
+          <p:nvPicPr>
+            <p:cNvPr id="5" name="그림 4">
+              <a:extLst>
+                <a:ext uri="{FF2B5EF4-FFF2-40B4-BE49-F238E27FC236}">
+                  <a16:creationId xmlns:a16="http://schemas.microsoft.com/office/drawing/2014/main" id="{E0A391B6-D38E-4998-8272-77C621408D21}"/>
+                </a:ext>
+              </a:extLst>
+            </p:cNvPr>
+            <p:cNvPicPr>
+              <a:picLocks noChangeAspect="1"/>
+            </p:cNvPicPr>
+            <p:nvPr/>
+          </p:nvPicPr>
+          <p:blipFill>
+            <a:blip r:embed="rId2"/>
+            <a:stretch>
+              <a:fillRect/>
+            </a:stretch>
+          </p:blipFill>
+          <p:spPr>
+            <a:xfrm>
+              <a:off x="895350" y="157162"/>
+              <a:ext cx="10401300" cy="6543675"/>
+            </a:xfrm>
+            <a:prstGeom prst="rect">
+              <a:avLst/>
+            </a:prstGeom>
+          </p:spPr>
+        </p:pic>
+        <p:sp>
+          <p:nvSpPr>
+            <p:cNvPr id="6" name="직사각형 5">
+              <a:extLst>
+                <a:ext uri="{FF2B5EF4-FFF2-40B4-BE49-F238E27FC236}">
+                  <a16:creationId xmlns:a16="http://schemas.microsoft.com/office/drawing/2014/main" id="{8CF0121B-684A-4D20-92D9-79E2BCFCF5AA}"/>
+                </a:ext>
+              </a:extLst>
+            </p:cNvPr>
+            <p:cNvSpPr/>
+            <p:nvPr/>
+          </p:nvSpPr>
+          <p:spPr>
+            <a:xfrm>
+              <a:off x="5514975" y="4152900"/>
+              <a:ext cx="1695450" cy="390525"/>
+            </a:xfrm>
+            <a:prstGeom prst="rect">
+              <a:avLst/>
+            </a:prstGeom>
+            <a:noFill/>
+            <a:ln w="38100">
+              <a:solidFill>
+                <a:srgbClr val="C00000"/>
+              </a:solidFill>
+            </a:ln>
+          </p:spPr>
+          <p:style>
+            <a:lnRef idx="2">
+              <a:schemeClr val="accent1">
+                <a:shade val="50000"/>
+              </a:schemeClr>
+            </a:lnRef>
+            <a:fillRef idx="1">
+              <a:schemeClr val="accent1"/>
+            </a:fillRef>
+            <a:effectRef idx="0">
+              <a:schemeClr val="accent1"/>
+            </a:effectRef>
+            <a:fontRef idx="minor">
+              <a:schemeClr val="lt1"/>
+            </a:fontRef>
+          </p:style>
+          <p:txBody>
+            <a:bodyPr rtlCol="0" anchor="ctr"/>
+            <a:lstStyle/>
+            <a:p>
+              <a:pPr algn="ctr"/>
+              <a:endParaRPr lang="ko-KR" altLang="en-US"/>
+            </a:p>
+          </p:txBody>
+        </p:sp>
+      </p:grpSp>
     </p:spTree>
     <p:extLst>
       <p:ext uri="{BB962C8B-B14F-4D97-AF65-F5344CB8AC3E}">

--- a/UseWebBrowser.pptx
+++ b/UseWebBrowser.pptx
@@ -109,6 +109,11 @@
       </a:defRPr>
     </a:lvl9pPr>
   </p:defaultTextStyle>
+  <p:extLst>
+    <p:ext uri="{EFAFB233-063F-42B5-8137-9DF3F51BA10A}">
+      <p15:sldGuideLst xmlns:p15="http://schemas.microsoft.com/office/powerpoint/2012/main"/>
+    </p:ext>
+  </p:extLst>
 </p:presentation>
 </file>
 
@@ -3521,10 +3526,10 @@
       </p:grpSpPr>
       <p:pic>
         <p:nvPicPr>
-          <p:cNvPr id="3" name="그림 2">
-            <a:extLst>
-              <a:ext uri="{FF2B5EF4-FFF2-40B4-BE49-F238E27FC236}">
-                <a16:creationId xmlns:a16="http://schemas.microsoft.com/office/drawing/2014/main" id="{044F50B1-3812-4C18-9075-853258F0F248}"/>
+          <p:cNvPr id="4" name="그림 3">
+            <a:extLst>
+              <a:ext uri="{FF2B5EF4-FFF2-40B4-BE49-F238E27FC236}">
+                <a16:creationId xmlns:a16="http://schemas.microsoft.com/office/drawing/2014/main" id="{C2767EE2-3A8C-47CF-A22C-2BE8C724E927}"/>
               </a:ext>
             </a:extLst>
           </p:cNvPr>
@@ -3541,8 +3546,8 @@
         </p:blipFill>
         <p:spPr>
           <a:xfrm>
-            <a:off x="3095625" y="2643187"/>
-            <a:ext cx="6000750" cy="1571625"/>
+            <a:off x="3028950" y="2633662"/>
+            <a:ext cx="6134100" cy="1590675"/>
           </a:xfrm>
           <a:prstGeom prst="rect">
             <a:avLst/>

--- a/UseWebBrowser.pptx
+++ b/UseWebBrowser.pptx
@@ -264,7 +264,7 @@
           <a:p>
             <a:fld id="{60BDCCEB-6F59-411F-8926-C864BDDD7C15}" type="datetimeFigureOut">
               <a:rPr lang="ko-KR" altLang="en-US" smtClean="0"/>
-              <a:t>2021-12-17</a:t>
+              <a:t>2021-12-18</a:t>
             </a:fld>
             <a:endParaRPr lang="ko-KR" altLang="en-US"/>
           </a:p>
@@ -462,7 +462,7 @@
           <a:p>
             <a:fld id="{60BDCCEB-6F59-411F-8926-C864BDDD7C15}" type="datetimeFigureOut">
               <a:rPr lang="ko-KR" altLang="en-US" smtClean="0"/>
-              <a:t>2021-12-17</a:t>
+              <a:t>2021-12-18</a:t>
             </a:fld>
             <a:endParaRPr lang="ko-KR" altLang="en-US"/>
           </a:p>
@@ -670,7 +670,7 @@
           <a:p>
             <a:fld id="{60BDCCEB-6F59-411F-8926-C864BDDD7C15}" type="datetimeFigureOut">
               <a:rPr lang="ko-KR" altLang="en-US" smtClean="0"/>
-              <a:t>2021-12-17</a:t>
+              <a:t>2021-12-18</a:t>
             </a:fld>
             <a:endParaRPr lang="ko-KR" altLang="en-US"/>
           </a:p>
@@ -868,7 +868,7 @@
           <a:p>
             <a:fld id="{60BDCCEB-6F59-411F-8926-C864BDDD7C15}" type="datetimeFigureOut">
               <a:rPr lang="ko-KR" altLang="en-US" smtClean="0"/>
-              <a:t>2021-12-17</a:t>
+              <a:t>2021-12-18</a:t>
             </a:fld>
             <a:endParaRPr lang="ko-KR" altLang="en-US"/>
           </a:p>
@@ -1143,7 +1143,7 @@
           <a:p>
             <a:fld id="{60BDCCEB-6F59-411F-8926-C864BDDD7C15}" type="datetimeFigureOut">
               <a:rPr lang="ko-KR" altLang="en-US" smtClean="0"/>
-              <a:t>2021-12-17</a:t>
+              <a:t>2021-12-18</a:t>
             </a:fld>
             <a:endParaRPr lang="ko-KR" altLang="en-US"/>
           </a:p>
@@ -1408,7 +1408,7 @@
           <a:p>
             <a:fld id="{60BDCCEB-6F59-411F-8926-C864BDDD7C15}" type="datetimeFigureOut">
               <a:rPr lang="ko-KR" altLang="en-US" smtClean="0"/>
-              <a:t>2021-12-17</a:t>
+              <a:t>2021-12-18</a:t>
             </a:fld>
             <a:endParaRPr lang="ko-KR" altLang="en-US"/>
           </a:p>
@@ -1820,7 +1820,7 @@
           <a:p>
             <a:fld id="{60BDCCEB-6F59-411F-8926-C864BDDD7C15}" type="datetimeFigureOut">
               <a:rPr lang="ko-KR" altLang="en-US" smtClean="0"/>
-              <a:t>2021-12-17</a:t>
+              <a:t>2021-12-18</a:t>
             </a:fld>
             <a:endParaRPr lang="ko-KR" altLang="en-US"/>
           </a:p>
@@ -1961,7 +1961,7 @@
           <a:p>
             <a:fld id="{60BDCCEB-6F59-411F-8926-C864BDDD7C15}" type="datetimeFigureOut">
               <a:rPr lang="ko-KR" altLang="en-US" smtClean="0"/>
-              <a:t>2021-12-17</a:t>
+              <a:t>2021-12-18</a:t>
             </a:fld>
             <a:endParaRPr lang="ko-KR" altLang="en-US"/>
           </a:p>
@@ -2074,7 +2074,7 @@
           <a:p>
             <a:fld id="{60BDCCEB-6F59-411F-8926-C864BDDD7C15}" type="datetimeFigureOut">
               <a:rPr lang="ko-KR" altLang="en-US" smtClean="0"/>
-              <a:t>2021-12-17</a:t>
+              <a:t>2021-12-18</a:t>
             </a:fld>
             <a:endParaRPr lang="ko-KR" altLang="en-US"/>
           </a:p>
@@ -2385,7 +2385,7 @@
           <a:p>
             <a:fld id="{60BDCCEB-6F59-411F-8926-C864BDDD7C15}" type="datetimeFigureOut">
               <a:rPr lang="ko-KR" altLang="en-US" smtClean="0"/>
-              <a:t>2021-12-17</a:t>
+              <a:t>2021-12-18</a:t>
             </a:fld>
             <a:endParaRPr lang="ko-KR" altLang="en-US"/>
           </a:p>
@@ -2673,7 +2673,7 @@
           <a:p>
             <a:fld id="{60BDCCEB-6F59-411F-8926-C864BDDD7C15}" type="datetimeFigureOut">
               <a:rPr lang="ko-KR" altLang="en-US" smtClean="0"/>
-              <a:t>2021-12-17</a:t>
+              <a:t>2021-12-18</a:t>
             </a:fld>
             <a:endParaRPr lang="ko-KR" altLang="en-US"/>
           </a:p>
@@ -2914,7 +2914,7 @@
           <a:p>
             <a:fld id="{60BDCCEB-6F59-411F-8926-C864BDDD7C15}" type="datetimeFigureOut">
               <a:rPr lang="ko-KR" altLang="en-US" smtClean="0"/>
-              <a:t>2021-12-17</a:t>
+              <a:t>2021-12-18</a:t>
             </a:fld>
             <a:endParaRPr lang="ko-KR" altLang="en-US"/>
           </a:p>
@@ -3644,6 +3644,109 @@
           <a:chExt cx="0" cy="0"/>
         </a:xfrm>
       </p:grpSpPr>
+      <p:grpSp>
+        <p:nvGrpSpPr>
+          <p:cNvPr id="7" name="그룹 6">
+            <a:extLst>
+              <a:ext uri="{FF2B5EF4-FFF2-40B4-BE49-F238E27FC236}">
+                <a16:creationId xmlns:a16="http://schemas.microsoft.com/office/drawing/2014/main" id="{0F5C226E-3424-4B04-8C93-3CDD15C659AF}"/>
+              </a:ext>
+            </a:extLst>
+          </p:cNvPr>
+          <p:cNvGrpSpPr/>
+          <p:nvPr/>
+        </p:nvGrpSpPr>
+        <p:grpSpPr>
+          <a:xfrm>
+            <a:off x="659528" y="281189"/>
+            <a:ext cx="10552188" cy="5768629"/>
+            <a:chOff x="659528" y="281189"/>
+            <a:chExt cx="10552188" cy="5768629"/>
+          </a:xfrm>
+        </p:grpSpPr>
+        <p:pic>
+          <p:nvPicPr>
+            <p:cNvPr id="5" name="그림 4">
+              <a:extLst>
+                <a:ext uri="{FF2B5EF4-FFF2-40B4-BE49-F238E27FC236}">
+                  <a16:creationId xmlns:a16="http://schemas.microsoft.com/office/drawing/2014/main" id="{6D0E520B-DD0D-472C-A6F8-A980E1A39943}"/>
+                </a:ext>
+              </a:extLst>
+            </p:cNvPr>
+            <p:cNvPicPr>
+              <a:picLocks noChangeAspect="1"/>
+            </p:cNvPicPr>
+            <p:nvPr/>
+          </p:nvPicPr>
+          <p:blipFill>
+            <a:blip r:embed="rId2"/>
+            <a:stretch>
+              <a:fillRect/>
+            </a:stretch>
+          </p:blipFill>
+          <p:spPr>
+            <a:xfrm>
+              <a:off x="659528" y="281189"/>
+              <a:ext cx="10552188" cy="5768629"/>
+            </a:xfrm>
+            <a:prstGeom prst="rect">
+              <a:avLst/>
+            </a:prstGeom>
+          </p:spPr>
+        </p:pic>
+        <p:sp>
+          <p:nvSpPr>
+            <p:cNvPr id="6" name="직사각형 5">
+              <a:extLst>
+                <a:ext uri="{FF2B5EF4-FFF2-40B4-BE49-F238E27FC236}">
+                  <a16:creationId xmlns:a16="http://schemas.microsoft.com/office/drawing/2014/main" id="{7DA61EB3-9BDD-42F9-904F-2DB0D8827289}"/>
+                </a:ext>
+              </a:extLst>
+            </p:cNvPr>
+            <p:cNvSpPr/>
+            <p:nvPr/>
+          </p:nvSpPr>
+          <p:spPr>
+            <a:xfrm>
+              <a:off x="1186000" y="4338649"/>
+              <a:ext cx="2851161" cy="604285"/>
+            </a:xfrm>
+            <a:prstGeom prst="rect">
+              <a:avLst/>
+            </a:prstGeom>
+            <a:noFill/>
+            <a:ln w="28575">
+              <a:solidFill>
+                <a:srgbClr val="FF0000"/>
+              </a:solidFill>
+            </a:ln>
+          </p:spPr>
+          <p:style>
+            <a:lnRef idx="2">
+              <a:schemeClr val="accent1">
+                <a:shade val="50000"/>
+              </a:schemeClr>
+            </a:lnRef>
+            <a:fillRef idx="1">
+              <a:schemeClr val="accent1"/>
+            </a:fillRef>
+            <a:effectRef idx="0">
+              <a:schemeClr val="accent1"/>
+            </a:effectRef>
+            <a:fontRef idx="minor">
+              <a:schemeClr val="lt1"/>
+            </a:fontRef>
+          </p:style>
+          <p:txBody>
+            <a:bodyPr rtlCol="0" anchor="ctr"/>
+            <a:lstStyle/>
+            <a:p>
+              <a:pPr algn="ctr"/>
+              <a:endParaRPr lang="ko-KR" altLang="en-US" dirty="0"/>
+            </a:p>
+          </p:txBody>
+        </p:sp>
+      </p:grpSp>
     </p:spTree>
     <p:extLst>
       <p:ext uri="{BB962C8B-B14F-4D97-AF65-F5344CB8AC3E}">

--- a/UseWebBrowser.pptx
+++ b/UseWebBrowser.pptx
@@ -9,8 +9,8 @@
     <p:sldId id="257" r:id="rId3"/>
     <p:sldId id="258" r:id="rId4"/>
     <p:sldId id="259" r:id="rId5"/>
-    <p:sldId id="260" r:id="rId6"/>
-    <p:sldId id="261" r:id="rId7"/>
+    <p:sldId id="261" r:id="rId6"/>
+    <p:sldId id="260" r:id="rId7"/>
   </p:sldIdLst>
   <p:sldSz cx="12192000" cy="6858000"/>
   <p:notesSz cx="6858000" cy="9144000"/>
@@ -264,7 +264,7 @@
           <a:p>
             <a:fld id="{60BDCCEB-6F59-411F-8926-C864BDDD7C15}" type="datetimeFigureOut">
               <a:rPr lang="ko-KR" altLang="en-US" smtClean="0"/>
-              <a:t>2021-12-18</a:t>
+              <a:t>2022-08-03</a:t>
             </a:fld>
             <a:endParaRPr lang="ko-KR" altLang="en-US"/>
           </a:p>
@@ -462,7 +462,7 @@
           <a:p>
             <a:fld id="{60BDCCEB-6F59-411F-8926-C864BDDD7C15}" type="datetimeFigureOut">
               <a:rPr lang="ko-KR" altLang="en-US" smtClean="0"/>
-              <a:t>2021-12-18</a:t>
+              <a:t>2022-08-03</a:t>
             </a:fld>
             <a:endParaRPr lang="ko-KR" altLang="en-US"/>
           </a:p>
@@ -670,7 +670,7 @@
           <a:p>
             <a:fld id="{60BDCCEB-6F59-411F-8926-C864BDDD7C15}" type="datetimeFigureOut">
               <a:rPr lang="ko-KR" altLang="en-US" smtClean="0"/>
-              <a:t>2021-12-18</a:t>
+              <a:t>2022-08-03</a:t>
             </a:fld>
             <a:endParaRPr lang="ko-KR" altLang="en-US"/>
           </a:p>
@@ -868,7 +868,7 @@
           <a:p>
             <a:fld id="{60BDCCEB-6F59-411F-8926-C864BDDD7C15}" type="datetimeFigureOut">
               <a:rPr lang="ko-KR" altLang="en-US" smtClean="0"/>
-              <a:t>2021-12-18</a:t>
+              <a:t>2022-08-03</a:t>
             </a:fld>
             <a:endParaRPr lang="ko-KR" altLang="en-US"/>
           </a:p>
@@ -1143,7 +1143,7 @@
           <a:p>
             <a:fld id="{60BDCCEB-6F59-411F-8926-C864BDDD7C15}" type="datetimeFigureOut">
               <a:rPr lang="ko-KR" altLang="en-US" smtClean="0"/>
-              <a:t>2021-12-18</a:t>
+              <a:t>2022-08-03</a:t>
             </a:fld>
             <a:endParaRPr lang="ko-KR" altLang="en-US"/>
           </a:p>
@@ -1408,7 +1408,7 @@
           <a:p>
             <a:fld id="{60BDCCEB-6F59-411F-8926-C864BDDD7C15}" type="datetimeFigureOut">
               <a:rPr lang="ko-KR" altLang="en-US" smtClean="0"/>
-              <a:t>2021-12-18</a:t>
+              <a:t>2022-08-03</a:t>
             </a:fld>
             <a:endParaRPr lang="ko-KR" altLang="en-US"/>
           </a:p>
@@ -1820,7 +1820,7 @@
           <a:p>
             <a:fld id="{60BDCCEB-6F59-411F-8926-C864BDDD7C15}" type="datetimeFigureOut">
               <a:rPr lang="ko-KR" altLang="en-US" smtClean="0"/>
-              <a:t>2021-12-18</a:t>
+              <a:t>2022-08-03</a:t>
             </a:fld>
             <a:endParaRPr lang="ko-KR" altLang="en-US"/>
           </a:p>
@@ -1961,7 +1961,7 @@
           <a:p>
             <a:fld id="{60BDCCEB-6F59-411F-8926-C864BDDD7C15}" type="datetimeFigureOut">
               <a:rPr lang="ko-KR" altLang="en-US" smtClean="0"/>
-              <a:t>2021-12-18</a:t>
+              <a:t>2022-08-03</a:t>
             </a:fld>
             <a:endParaRPr lang="ko-KR" altLang="en-US"/>
           </a:p>
@@ -2074,7 +2074,7 @@
           <a:p>
             <a:fld id="{60BDCCEB-6F59-411F-8926-C864BDDD7C15}" type="datetimeFigureOut">
               <a:rPr lang="ko-KR" altLang="en-US" smtClean="0"/>
-              <a:t>2021-12-18</a:t>
+              <a:t>2022-08-03</a:t>
             </a:fld>
             <a:endParaRPr lang="ko-KR" altLang="en-US"/>
           </a:p>
@@ -2385,7 +2385,7 @@
           <a:p>
             <a:fld id="{60BDCCEB-6F59-411F-8926-C864BDDD7C15}" type="datetimeFigureOut">
               <a:rPr lang="ko-KR" altLang="en-US" smtClean="0"/>
-              <a:t>2021-12-18</a:t>
+              <a:t>2022-08-03</a:t>
             </a:fld>
             <a:endParaRPr lang="ko-KR" altLang="en-US"/>
           </a:p>
@@ -2673,7 +2673,7 @@
           <a:p>
             <a:fld id="{60BDCCEB-6F59-411F-8926-C864BDDD7C15}" type="datetimeFigureOut">
               <a:rPr lang="ko-KR" altLang="en-US" smtClean="0"/>
-              <a:t>2021-12-18</a:t>
+              <a:t>2022-08-03</a:t>
             </a:fld>
             <a:endParaRPr lang="ko-KR" altLang="en-US"/>
           </a:p>
@@ -2914,7 +2914,7 @@
           <a:p>
             <a:fld id="{60BDCCEB-6F59-411F-8926-C864BDDD7C15}" type="datetimeFigureOut">
               <a:rPr lang="ko-KR" altLang="en-US" smtClean="0"/>
-              <a:t>2021-12-18</a:t>
+              <a:t>2022-08-03</a:t>
             </a:fld>
             <a:endParaRPr lang="ko-KR" altLang="en-US"/>
           </a:p>
@@ -3644,6 +3644,66 @@
           <a:chExt cx="0" cy="0"/>
         </a:xfrm>
       </p:grpSpPr>
+      <p:pic>
+        <p:nvPicPr>
+          <p:cNvPr id="3" name="그림 2">
+            <a:extLst>
+              <a:ext uri="{FF2B5EF4-FFF2-40B4-BE49-F238E27FC236}">
+                <a16:creationId xmlns:a16="http://schemas.microsoft.com/office/drawing/2014/main" id="{E5A61FEF-907E-31E7-C951-59811D9AB4AD}"/>
+              </a:ext>
+            </a:extLst>
+          </p:cNvPr>
+          <p:cNvPicPr>
+            <a:picLocks noChangeAspect="1"/>
+          </p:cNvPicPr>
+          <p:nvPr/>
+        </p:nvPicPr>
+        <p:blipFill>
+          <a:blip r:embed="rId2"/>
+          <a:stretch>
+            <a:fillRect/>
+          </a:stretch>
+        </p:blipFill>
+        <p:spPr>
+          <a:xfrm>
+            <a:off x="3357562" y="1290637"/>
+            <a:ext cx="5476875" cy="4276725"/>
+          </a:xfrm>
+          <a:prstGeom prst="rect">
+            <a:avLst/>
+          </a:prstGeom>
+        </p:spPr>
+      </p:pic>
+    </p:spTree>
+    <p:extLst>
+      <p:ext uri="{BB962C8B-B14F-4D97-AF65-F5344CB8AC3E}">
+        <p14:creationId xmlns:p14="http://schemas.microsoft.com/office/powerpoint/2010/main" val="1265528837"/>
+      </p:ext>
+    </p:extLst>
+  </p:cSld>
+  <p:clrMapOvr>
+    <a:masterClrMapping/>
+  </p:clrMapOvr>
+</p:sld>
+</file>
+
+<file path=ppt/slides/slide6.xml><?xml version="1.0" encoding="utf-8"?>
+<p:sld xmlns:a="http://schemas.openxmlformats.org/drawingml/2006/main" xmlns:r="http://schemas.openxmlformats.org/officeDocument/2006/relationships" xmlns:p="http://schemas.openxmlformats.org/presentationml/2006/main">
+  <p:cSld>
+    <p:spTree>
+      <p:nvGrpSpPr>
+        <p:cNvPr id="1" name=""/>
+        <p:cNvGrpSpPr/>
+        <p:nvPr/>
+      </p:nvGrpSpPr>
+      <p:grpSpPr>
+        <a:xfrm>
+          <a:off x="0" y="0"/>
+          <a:ext cx="0" cy="0"/>
+          <a:chOff x="0" y="0"/>
+          <a:chExt cx="0" cy="0"/>
+        </a:xfrm>
+      </p:grpSpPr>
       <p:grpSp>
         <p:nvGrpSpPr>
           <p:cNvPr id="7" name="그룹 6">
@@ -3751,36 +3811,6 @@
     <p:extLst>
       <p:ext uri="{BB962C8B-B14F-4D97-AF65-F5344CB8AC3E}">
         <p14:creationId xmlns:p14="http://schemas.microsoft.com/office/powerpoint/2010/main" val="2249600125"/>
-      </p:ext>
-    </p:extLst>
-  </p:cSld>
-  <p:clrMapOvr>
-    <a:masterClrMapping/>
-  </p:clrMapOvr>
-</p:sld>
-</file>
-
-<file path=ppt/slides/slide6.xml><?xml version="1.0" encoding="utf-8"?>
-<p:sld xmlns:a="http://schemas.openxmlformats.org/drawingml/2006/main" xmlns:r="http://schemas.openxmlformats.org/officeDocument/2006/relationships" xmlns:p="http://schemas.openxmlformats.org/presentationml/2006/main">
-  <p:cSld>
-    <p:spTree>
-      <p:nvGrpSpPr>
-        <p:cNvPr id="1" name=""/>
-        <p:cNvGrpSpPr/>
-        <p:nvPr/>
-      </p:nvGrpSpPr>
-      <p:grpSpPr>
-        <a:xfrm>
-          <a:off x="0" y="0"/>
-          <a:ext cx="0" cy="0"/>
-          <a:chOff x="0" y="0"/>
-          <a:chExt cx="0" cy="0"/>
-        </a:xfrm>
-      </p:grpSpPr>
-    </p:spTree>
-    <p:extLst>
-      <p:ext uri="{BB962C8B-B14F-4D97-AF65-F5344CB8AC3E}">
-        <p14:creationId xmlns:p14="http://schemas.microsoft.com/office/powerpoint/2010/main" val="1265528837"/>
       </p:ext>
     </p:extLst>
   </p:cSld>
